--- a/#04-TEAM_25_5-page_prop_pitch_temp(1).pptx
+++ b/#04-TEAM_25_5-page_prop_pitch_temp(1).pptx
@@ -220,7 +220,7 @@
           <a:p>
             <a:fld id="{4589E90D-3810-46D7-9A51-D775ED1BAE7F}" type="datetimeFigureOut">
               <a:rPr lang="en-US" smtClean="0"/>
-              <a:t>9/30/2024</a:t>
+              <a:t>10/10/2024</a:t>
             </a:fld>
             <a:endParaRPr lang="en-US"/>
           </a:p>
@@ -397,7 +397,7 @@
           <a:p>
             <a:fld id="{94A93DBE-E4D6-475B-BA3A-D56985357AAF}" type="datetimeFigureOut">
               <a:rPr lang="en-US" smtClean="0"/>
-              <a:t>9/30/2024</a:t>
+              <a:t>10/10/2024</a:t>
             </a:fld>
             <a:endParaRPr lang="en-US"/>
           </a:p>
@@ -979,7 +979,7 @@
           <a:p>
             <a:fld id="{342A0AF9-278F-4D70-83C5-EBAD7F833546}" type="datetimeFigureOut">
               <a:rPr lang="en-US" smtClean="0"/>
-              <a:t>9/30/2024</a:t>
+              <a:t>10/10/2024</a:t>
             </a:fld>
             <a:endParaRPr lang="en-US"/>
           </a:p>
@@ -1491,7 +1491,7 @@
           <a:p>
             <a:fld id="{342A0AF9-278F-4D70-83C5-EBAD7F833546}" type="datetimeFigureOut">
               <a:rPr lang="en-US" smtClean="0"/>
-              <a:t>9/30/2024</a:t>
+              <a:t>10/10/2024</a:t>
             </a:fld>
             <a:endParaRPr lang="en-US"/>
           </a:p>
@@ -1699,7 +1699,7 @@
           <a:p>
             <a:fld id="{342A0AF9-278F-4D70-83C5-EBAD7F833546}" type="datetimeFigureOut">
               <a:rPr lang="en-US" smtClean="0"/>
-              <a:t>9/30/2024</a:t>
+              <a:t>10/10/2024</a:t>
             </a:fld>
             <a:endParaRPr lang="en-US"/>
           </a:p>
@@ -1902,7 +1902,7 @@
           <a:p>
             <a:fld id="{342A0AF9-278F-4D70-83C5-EBAD7F833546}" type="datetimeFigureOut">
               <a:rPr lang="en-US" smtClean="0"/>
-              <a:t>9/30/2024</a:t>
+              <a:t>10/10/2024</a:t>
             </a:fld>
             <a:endParaRPr lang="en-US"/>
           </a:p>
@@ -2366,7 +2366,7 @@
           <a:p>
             <a:fld id="{342A0AF9-278F-4D70-83C5-EBAD7F833546}" type="datetimeFigureOut">
               <a:rPr lang="en-US" smtClean="0"/>
-              <a:t>9/30/2024</a:t>
+              <a:t>10/10/2024</a:t>
             </a:fld>
             <a:endParaRPr lang="en-US"/>
           </a:p>
@@ -2631,7 +2631,7 @@
           <a:p>
             <a:fld id="{342A0AF9-278F-4D70-83C5-EBAD7F833546}" type="datetimeFigureOut">
               <a:rPr lang="en-US" smtClean="0"/>
-              <a:t>9/30/2024</a:t>
+              <a:t>10/10/2024</a:t>
             </a:fld>
             <a:endParaRPr lang="en-US"/>
           </a:p>
@@ -3043,7 +3043,7 @@
           <a:p>
             <a:fld id="{342A0AF9-278F-4D70-83C5-EBAD7F833546}" type="datetimeFigureOut">
               <a:rPr lang="en-US" smtClean="0"/>
-              <a:t>9/30/2024</a:t>
+              <a:t>10/10/2024</a:t>
             </a:fld>
             <a:endParaRPr lang="en-US"/>
           </a:p>
@@ -3184,7 +3184,7 @@
           <a:p>
             <a:fld id="{342A0AF9-278F-4D70-83C5-EBAD7F833546}" type="datetimeFigureOut">
               <a:rPr lang="en-US" smtClean="0"/>
-              <a:t>9/30/2024</a:t>
+              <a:t>10/10/2024</a:t>
             </a:fld>
             <a:endParaRPr lang="en-US"/>
           </a:p>
@@ -3297,7 +3297,7 @@
           <a:p>
             <a:fld id="{342A0AF9-278F-4D70-83C5-EBAD7F833546}" type="datetimeFigureOut">
               <a:rPr lang="en-US" smtClean="0"/>
-              <a:t>9/30/2024</a:t>
+              <a:t>10/10/2024</a:t>
             </a:fld>
             <a:endParaRPr lang="en-US"/>
           </a:p>
@@ -3608,7 +3608,7 @@
           <a:p>
             <a:fld id="{342A0AF9-278F-4D70-83C5-EBAD7F833546}" type="datetimeFigureOut">
               <a:rPr lang="en-US" smtClean="0"/>
-              <a:t>9/30/2024</a:t>
+              <a:t>10/10/2024</a:t>
             </a:fld>
             <a:endParaRPr lang="en-US"/>
           </a:p>
@@ -3896,7 +3896,7 @@
           <a:p>
             <a:fld id="{342A0AF9-278F-4D70-83C5-EBAD7F833546}" type="datetimeFigureOut">
               <a:rPr lang="en-US" smtClean="0"/>
-              <a:t>9/30/2024</a:t>
+              <a:t>10/10/2024</a:t>
             </a:fld>
             <a:endParaRPr lang="en-US"/>
           </a:p>
@@ -4137,7 +4137,7 @@
           <a:p>
             <a:fld id="{342A0AF9-278F-4D70-83C5-EBAD7F833546}" type="datetimeFigureOut">
               <a:rPr lang="en-US" smtClean="0"/>
-              <a:t>9/30/2024</a:t>
+              <a:t>10/10/2024</a:t>
             </a:fld>
             <a:endParaRPr lang="en-US"/>
           </a:p>
@@ -4804,74 +4804,6 @@
           <a:chExt cx="0" cy="0"/>
         </a:xfrm>
       </p:grpSpPr>
-      <p:sp>
-        <p:nvSpPr>
-          <p:cNvPr id="2" name="标题 1">
-            <a:extLst>
-              <a:ext uri="{FF2B5EF4-FFF2-40B4-BE49-F238E27FC236}">
-                <a16:creationId xmlns:a16="http://schemas.microsoft.com/office/drawing/2014/main" id="{2E78E0F9-3AC9-4C59-B50A-4D043B8E6E8A}"/>
-              </a:ext>
-            </a:extLst>
-          </p:cNvPr>
-          <p:cNvSpPr>
-            <a:spLocks noGrp="1"/>
-          </p:cNvSpPr>
-          <p:nvPr>
-            <p:ph type="title"/>
-          </p:nvPr>
-        </p:nvSpPr>
-        <p:spPr/>
-        <p:txBody>
-          <a:bodyPr/>
-          <a:lstStyle/>
-          <a:p>
-            <a:r>
-              <a:rPr lang="en-US" dirty="0"/>
-              <a:t> </a:t>
-            </a:r>
-            <a:r>
-              <a:rPr lang="en-US" altLang="zh-CN" dirty="0"/>
-              <a:t>Background &amp; Motivation</a:t>
-            </a:r>
-            <a:endParaRPr lang="en-US" dirty="0"/>
-          </a:p>
-        </p:txBody>
-      </p:sp>
-      <p:sp>
-        <p:nvSpPr>
-          <p:cNvPr id="3" name="内容占位符 2">
-            <a:extLst>
-              <a:ext uri="{FF2B5EF4-FFF2-40B4-BE49-F238E27FC236}">
-                <a16:creationId xmlns:a16="http://schemas.microsoft.com/office/drawing/2014/main" id="{F9ED8121-67D5-40F7-B9AE-607406C3A3E6}"/>
-              </a:ext>
-            </a:extLst>
-          </p:cNvPr>
-          <p:cNvSpPr>
-            <a:spLocks noGrp="1"/>
-          </p:cNvSpPr>
-          <p:nvPr>
-            <p:ph idx="1"/>
-          </p:nvPr>
-        </p:nvSpPr>
-        <p:spPr>
-          <a:xfrm>
-            <a:off x="838200" y="1825625"/>
-            <a:ext cx="6766112" cy="4351338"/>
-          </a:xfrm>
-        </p:spPr>
-        <p:txBody>
-          <a:bodyPr>
-            <a:normAutofit/>
-          </a:bodyPr>
-          <a:lstStyle/>
-          <a:p>
-            <a:r>
-              <a:rPr lang="en-US" dirty="0"/>
-              <a:t>Background: Noise reduction materials can be divided into three categories according to their working principle: sound absorption materials, sound insulation materials and damping vibration reduction materials. Sound absorbing materials reduce noise by absorbing sound wave energy, sound insulating materials reduce noise by blocking sound wave propagation, and damping materials control noise by reducing vibration.</a:t>
-            </a:r>
-          </a:p>
-        </p:txBody>
-      </p:sp>
       <p:pic>
         <p:nvPicPr>
           <p:cNvPr id="8" name="图片 7" descr="图片包含 文本&#10;&#10;描述已自动生成">
@@ -4894,20 +4826,290 @@
               </a:ext>
             </a:extLst>
           </a:blip>
-          <a:stretch>
-            <a:fillRect/>
-          </a:stretch>
+          <a:srcRect l="19039" t="9460" r="10414"/>
+          <a:stretch/>
         </p:blipFill>
         <p:spPr>
           <a:xfrm>
-            <a:off x="7550796" y="2030769"/>
-            <a:ext cx="4372124" cy="3412412"/>
+            <a:off x="9731613" y="1897158"/>
+            <a:ext cx="2460387" cy="3041742"/>
           </a:xfrm>
           <a:prstGeom prst="rect">
             <a:avLst/>
           </a:prstGeom>
         </p:spPr>
       </p:pic>
+      <p:sp>
+        <p:nvSpPr>
+          <p:cNvPr id="2" name="标题 1">
+            <a:extLst>
+              <a:ext uri="{FF2B5EF4-FFF2-40B4-BE49-F238E27FC236}">
+                <a16:creationId xmlns:a16="http://schemas.microsoft.com/office/drawing/2014/main" id="{2E78E0F9-3AC9-4C59-B50A-4D043B8E6E8A}"/>
+              </a:ext>
+            </a:extLst>
+          </p:cNvPr>
+          <p:cNvSpPr>
+            <a:spLocks noGrp="1"/>
+          </p:cNvSpPr>
+          <p:nvPr>
+            <p:ph type="title"/>
+          </p:nvPr>
+        </p:nvSpPr>
+        <p:spPr/>
+        <p:txBody>
+          <a:bodyPr/>
+          <a:lstStyle/>
+          <a:p>
+            <a:r>
+              <a:rPr lang="en-US" dirty="0"/>
+              <a:t> </a:t>
+            </a:r>
+            <a:r>
+              <a:rPr lang="en-US" altLang="zh-CN" dirty="0"/>
+              <a:t>Background &amp; Motivation</a:t>
+            </a:r>
+            <a:endParaRPr lang="en-US" dirty="0"/>
+          </a:p>
+        </p:txBody>
+      </p:sp>
+      <p:sp>
+        <p:nvSpPr>
+          <p:cNvPr id="3" name="内容占位符 2">
+            <a:extLst>
+              <a:ext uri="{FF2B5EF4-FFF2-40B4-BE49-F238E27FC236}">
+                <a16:creationId xmlns:a16="http://schemas.microsoft.com/office/drawing/2014/main" id="{F9ED8121-67D5-40F7-B9AE-607406C3A3E6}"/>
+              </a:ext>
+            </a:extLst>
+          </p:cNvPr>
+          <p:cNvSpPr>
+            <a:spLocks noGrp="1"/>
+          </p:cNvSpPr>
+          <p:nvPr>
+            <p:ph idx="1"/>
+          </p:nvPr>
+        </p:nvSpPr>
+        <p:spPr>
+          <a:xfrm>
+            <a:off x="838200" y="1897159"/>
+            <a:ext cx="4681332" cy="4279803"/>
+          </a:xfrm>
+        </p:spPr>
+        <p:txBody>
+          <a:bodyPr>
+            <a:normAutofit fontScale="92500" lnSpcReduction="20000"/>
+          </a:bodyPr>
+          <a:lstStyle/>
+          <a:p>
+            <a:r>
+              <a:rPr lang="en-US" dirty="0"/>
+              <a:t>Background: Noise reduction materials can be divided into three categories according to their working principle: sound absorption materials, sound insulation materials and damping vibration reduction materials. Sound absorbing materials reduce noise by absorbing sound wave energy, sound insulating materials reduce noise by blocking sound wave propagation, and damping materials control noise by reducing vibration.</a:t>
+            </a:r>
+          </a:p>
+        </p:txBody>
+      </p:sp>
+      <p:sp>
+        <p:nvSpPr>
+          <p:cNvPr id="4" name="内容占位符 2">
+            <a:extLst>
+              <a:ext uri="{FF2B5EF4-FFF2-40B4-BE49-F238E27FC236}">
+                <a16:creationId xmlns:a16="http://schemas.microsoft.com/office/drawing/2014/main" id="{F00429E0-FC21-4C3A-9F07-5298E0B2BD7A}"/>
+              </a:ext>
+            </a:extLst>
+          </p:cNvPr>
+          <p:cNvSpPr txBox="1">
+            <a:spLocks/>
+          </p:cNvSpPr>
+          <p:nvPr/>
+        </p:nvSpPr>
+        <p:spPr>
+          <a:xfrm>
+            <a:off x="5100976" y="1897158"/>
+            <a:ext cx="4848093" cy="4377342"/>
+          </a:xfrm>
+          <a:prstGeom prst="rect">
+            <a:avLst/>
+          </a:prstGeom>
+        </p:spPr>
+        <p:txBody>
+          <a:bodyPr vert="horz" lIns="91440" tIns="45720" rIns="91440" bIns="45720" rtlCol="0">
+            <a:normAutofit fontScale="85000" lnSpcReduction="10000"/>
+          </a:bodyPr>
+          <a:lstStyle>
+            <a:lvl1pPr marL="228600" indent="-228600" algn="l" defTabSz="914400" rtl="0" eaLnBrk="1" latinLnBrk="0" hangingPunct="1">
+              <a:lnSpc>
+                <a:spcPct val="90000"/>
+              </a:lnSpc>
+              <a:spcBef>
+                <a:spcPts val="1000"/>
+              </a:spcBef>
+              <a:buFont typeface="Arial" panose="020B0604020202020204" pitchFamily="34" charset="0"/>
+              <a:buChar char="•"/>
+              <a:defRPr sz="2800" kern="1200">
+                <a:solidFill>
+                  <a:schemeClr val="tx1"/>
+                </a:solidFill>
+                <a:latin typeface="+mn-lt"/>
+                <a:ea typeface="+mn-ea"/>
+                <a:cs typeface="+mn-cs"/>
+              </a:defRPr>
+            </a:lvl1pPr>
+            <a:lvl2pPr marL="685800" indent="-228600" algn="l" defTabSz="914400" rtl="0" eaLnBrk="1" latinLnBrk="0" hangingPunct="1">
+              <a:lnSpc>
+                <a:spcPct val="90000"/>
+              </a:lnSpc>
+              <a:spcBef>
+                <a:spcPts val="500"/>
+              </a:spcBef>
+              <a:buFont typeface="Arial" panose="020B0604020202020204" pitchFamily="34" charset="0"/>
+              <a:buChar char="•"/>
+              <a:defRPr sz="2400" kern="1200">
+                <a:solidFill>
+                  <a:schemeClr val="tx1"/>
+                </a:solidFill>
+                <a:latin typeface="+mn-lt"/>
+                <a:ea typeface="+mn-ea"/>
+                <a:cs typeface="+mn-cs"/>
+              </a:defRPr>
+            </a:lvl2pPr>
+            <a:lvl3pPr marL="1143000" indent="-228600" algn="l" defTabSz="914400" rtl="0" eaLnBrk="1" latinLnBrk="0" hangingPunct="1">
+              <a:lnSpc>
+                <a:spcPct val="90000"/>
+              </a:lnSpc>
+              <a:spcBef>
+                <a:spcPts val="500"/>
+              </a:spcBef>
+              <a:buFont typeface="Arial" panose="020B0604020202020204" pitchFamily="34" charset="0"/>
+              <a:buChar char="•"/>
+              <a:defRPr sz="2000" kern="1200">
+                <a:solidFill>
+                  <a:schemeClr val="tx1"/>
+                </a:solidFill>
+                <a:latin typeface="+mn-lt"/>
+                <a:ea typeface="+mn-ea"/>
+                <a:cs typeface="+mn-cs"/>
+              </a:defRPr>
+            </a:lvl3pPr>
+            <a:lvl4pPr marL="1600200" indent="-228600" algn="l" defTabSz="914400" rtl="0" eaLnBrk="1" latinLnBrk="0" hangingPunct="1">
+              <a:lnSpc>
+                <a:spcPct val="90000"/>
+              </a:lnSpc>
+              <a:spcBef>
+                <a:spcPts val="500"/>
+              </a:spcBef>
+              <a:buFont typeface="Arial" panose="020B0604020202020204" pitchFamily="34" charset="0"/>
+              <a:buChar char="•"/>
+              <a:defRPr sz="1800" kern="1200">
+                <a:solidFill>
+                  <a:schemeClr val="tx1"/>
+                </a:solidFill>
+                <a:latin typeface="+mn-lt"/>
+                <a:ea typeface="+mn-ea"/>
+                <a:cs typeface="+mn-cs"/>
+              </a:defRPr>
+            </a:lvl4pPr>
+            <a:lvl5pPr marL="2057400" indent="-228600" algn="l" defTabSz="914400" rtl="0" eaLnBrk="1" latinLnBrk="0" hangingPunct="1">
+              <a:lnSpc>
+                <a:spcPct val="90000"/>
+              </a:lnSpc>
+              <a:spcBef>
+                <a:spcPts val="500"/>
+              </a:spcBef>
+              <a:buFont typeface="Arial" panose="020B0604020202020204" pitchFamily="34" charset="0"/>
+              <a:buChar char="•"/>
+              <a:defRPr sz="1800" kern="1200">
+                <a:solidFill>
+                  <a:schemeClr val="tx1"/>
+                </a:solidFill>
+                <a:latin typeface="+mn-lt"/>
+                <a:ea typeface="+mn-ea"/>
+                <a:cs typeface="+mn-cs"/>
+              </a:defRPr>
+            </a:lvl5pPr>
+            <a:lvl6pPr marL="2514600" indent="-228600" algn="l" defTabSz="914400" rtl="0" eaLnBrk="1" latinLnBrk="0" hangingPunct="1">
+              <a:lnSpc>
+                <a:spcPct val="90000"/>
+              </a:lnSpc>
+              <a:spcBef>
+                <a:spcPts val="500"/>
+              </a:spcBef>
+              <a:buFont typeface="Arial" panose="020B0604020202020204" pitchFamily="34" charset="0"/>
+              <a:buChar char="•"/>
+              <a:defRPr sz="1800" kern="1200">
+                <a:solidFill>
+                  <a:schemeClr val="tx1"/>
+                </a:solidFill>
+                <a:latin typeface="+mn-lt"/>
+                <a:ea typeface="+mn-ea"/>
+                <a:cs typeface="+mn-cs"/>
+              </a:defRPr>
+            </a:lvl6pPr>
+            <a:lvl7pPr marL="2971800" indent="-228600" algn="l" defTabSz="914400" rtl="0" eaLnBrk="1" latinLnBrk="0" hangingPunct="1">
+              <a:lnSpc>
+                <a:spcPct val="90000"/>
+              </a:lnSpc>
+              <a:spcBef>
+                <a:spcPts val="500"/>
+              </a:spcBef>
+              <a:buFont typeface="Arial" panose="020B0604020202020204" pitchFamily="34" charset="0"/>
+              <a:buChar char="•"/>
+              <a:defRPr sz="1800" kern="1200">
+                <a:solidFill>
+                  <a:schemeClr val="tx1"/>
+                </a:solidFill>
+                <a:latin typeface="+mn-lt"/>
+                <a:ea typeface="+mn-ea"/>
+                <a:cs typeface="+mn-cs"/>
+              </a:defRPr>
+            </a:lvl7pPr>
+            <a:lvl8pPr marL="3429000" indent="-228600" algn="l" defTabSz="914400" rtl="0" eaLnBrk="1" latinLnBrk="0" hangingPunct="1">
+              <a:lnSpc>
+                <a:spcPct val="90000"/>
+              </a:lnSpc>
+              <a:spcBef>
+                <a:spcPts val="500"/>
+              </a:spcBef>
+              <a:buFont typeface="Arial" panose="020B0604020202020204" pitchFamily="34" charset="0"/>
+              <a:buChar char="•"/>
+              <a:defRPr sz="1800" kern="1200">
+                <a:solidFill>
+                  <a:schemeClr val="tx1"/>
+                </a:solidFill>
+                <a:latin typeface="+mn-lt"/>
+                <a:ea typeface="+mn-ea"/>
+                <a:cs typeface="+mn-cs"/>
+              </a:defRPr>
+            </a:lvl8pPr>
+            <a:lvl9pPr marL="3886200" indent="-228600" algn="l" defTabSz="914400" rtl="0" eaLnBrk="1" latinLnBrk="0" hangingPunct="1">
+              <a:lnSpc>
+                <a:spcPct val="90000"/>
+              </a:lnSpc>
+              <a:spcBef>
+                <a:spcPts val="500"/>
+              </a:spcBef>
+              <a:buFont typeface="Arial" panose="020B0604020202020204" pitchFamily="34" charset="0"/>
+              <a:buChar char="•"/>
+              <a:defRPr sz="1800" kern="1200">
+                <a:solidFill>
+                  <a:schemeClr val="tx1"/>
+                </a:solidFill>
+                <a:latin typeface="+mn-lt"/>
+                <a:ea typeface="+mn-ea"/>
+                <a:cs typeface="+mn-cs"/>
+              </a:defRPr>
+            </a:lvl9pPr>
+          </a:lstStyle>
+          <a:p>
+            <a:r>
+              <a:rPr lang="en-US" altLang="zh-CN" dirty="0"/>
+              <a:t>Motivation: </a:t>
+            </a:r>
+            <a:r>
+              <a:rPr lang="en-US" dirty="0"/>
+              <a:t>The motivation mainly stems from the increasingly serious problem of noise pollution in modern society. Noise pollution not only affects people's hearing, sleep and communication, but also accelerates the aging of mechanical structures and buildings. Therefore, the research and development of effective noise reduction materials is of great significance to ensure the sustainable development of economic society.</a:t>
+            </a:r>
+          </a:p>
+        </p:txBody>
+      </p:sp>
     </p:spTree>
     <p:extLst>
       <p:ext uri="{BB962C8B-B14F-4D97-AF65-F5344CB8AC3E}">
